--- a/Final Presentation/8. UML Use-Case Diagram.pptx
+++ b/Final Presentation/8. UML Use-Case Diagram.pptx
@@ -6,7 +6,8 @@
   </p:sldMasterIdLst>
   <p:sldIdLst>
     <p:sldId id="257" r:id="rId2"/>
-    <p:sldId id="258" r:id="rId3"/>
+    <p:sldId id="259" r:id="rId3"/>
+    <p:sldId id="258" r:id="rId4"/>
   </p:sldIdLst>
   <p:sldSz cx="12192000" cy="6858000"/>
   <p:notesSz cx="6858000" cy="9144000"/>
@@ -260,7 +261,7 @@
           <a:p>
             <a:fld id="{99C1CB3F-3D2B-408D-B6A9-0071AFF4D60E}" type="datetimeFigureOut">
               <a:rPr lang="en-US" smtClean="0"/>
-              <a:t>11/21/2020</a:t>
+              <a:t>11/24/20</a:t>
             </a:fld>
             <a:endParaRPr lang="en-US"/>
           </a:p>
@@ -458,7 +459,7 @@
           <a:p>
             <a:fld id="{99C1CB3F-3D2B-408D-B6A9-0071AFF4D60E}" type="datetimeFigureOut">
               <a:rPr lang="en-US" smtClean="0"/>
-              <a:t>11/21/2020</a:t>
+              <a:t>11/24/20</a:t>
             </a:fld>
             <a:endParaRPr lang="en-US"/>
           </a:p>
@@ -666,7 +667,7 @@
           <a:p>
             <a:fld id="{99C1CB3F-3D2B-408D-B6A9-0071AFF4D60E}" type="datetimeFigureOut">
               <a:rPr lang="en-US" smtClean="0"/>
-              <a:t>11/21/2020</a:t>
+              <a:t>11/24/20</a:t>
             </a:fld>
             <a:endParaRPr lang="en-US"/>
           </a:p>
@@ -864,7 +865,7 @@
           <a:p>
             <a:fld id="{99C1CB3F-3D2B-408D-B6A9-0071AFF4D60E}" type="datetimeFigureOut">
               <a:rPr lang="en-US" smtClean="0"/>
-              <a:t>11/21/2020</a:t>
+              <a:t>11/24/20</a:t>
             </a:fld>
             <a:endParaRPr lang="en-US"/>
           </a:p>
@@ -1139,7 +1140,7 @@
           <a:p>
             <a:fld id="{99C1CB3F-3D2B-408D-B6A9-0071AFF4D60E}" type="datetimeFigureOut">
               <a:rPr lang="en-US" smtClean="0"/>
-              <a:t>11/21/2020</a:t>
+              <a:t>11/24/20</a:t>
             </a:fld>
             <a:endParaRPr lang="en-US"/>
           </a:p>
@@ -1404,7 +1405,7 @@
           <a:p>
             <a:fld id="{99C1CB3F-3D2B-408D-B6A9-0071AFF4D60E}" type="datetimeFigureOut">
               <a:rPr lang="en-US" smtClean="0"/>
-              <a:t>11/21/2020</a:t>
+              <a:t>11/24/20</a:t>
             </a:fld>
             <a:endParaRPr lang="en-US"/>
           </a:p>
@@ -1816,7 +1817,7 @@
           <a:p>
             <a:fld id="{99C1CB3F-3D2B-408D-B6A9-0071AFF4D60E}" type="datetimeFigureOut">
               <a:rPr lang="en-US" smtClean="0"/>
-              <a:t>11/21/2020</a:t>
+              <a:t>11/24/20</a:t>
             </a:fld>
             <a:endParaRPr lang="en-US"/>
           </a:p>
@@ -1957,7 +1958,7 @@
           <a:p>
             <a:fld id="{99C1CB3F-3D2B-408D-B6A9-0071AFF4D60E}" type="datetimeFigureOut">
               <a:rPr lang="en-US" smtClean="0"/>
-              <a:t>11/21/2020</a:t>
+              <a:t>11/24/20</a:t>
             </a:fld>
             <a:endParaRPr lang="en-US"/>
           </a:p>
@@ -2070,7 +2071,7 @@
           <a:p>
             <a:fld id="{99C1CB3F-3D2B-408D-B6A9-0071AFF4D60E}" type="datetimeFigureOut">
               <a:rPr lang="en-US" smtClean="0"/>
-              <a:t>11/21/2020</a:t>
+              <a:t>11/24/20</a:t>
             </a:fld>
             <a:endParaRPr lang="en-US"/>
           </a:p>
@@ -2381,7 +2382,7 @@
           <a:p>
             <a:fld id="{99C1CB3F-3D2B-408D-B6A9-0071AFF4D60E}" type="datetimeFigureOut">
               <a:rPr lang="en-US" smtClean="0"/>
-              <a:t>11/21/2020</a:t>
+              <a:t>11/24/20</a:t>
             </a:fld>
             <a:endParaRPr lang="en-US"/>
           </a:p>
@@ -2669,7 +2670,7 @@
           <a:p>
             <a:fld id="{99C1CB3F-3D2B-408D-B6A9-0071AFF4D60E}" type="datetimeFigureOut">
               <a:rPr lang="en-US" smtClean="0"/>
-              <a:t>11/21/2020</a:t>
+              <a:t>11/24/20</a:t>
             </a:fld>
             <a:endParaRPr lang="en-US"/>
           </a:p>
@@ -2910,7 +2911,7 @@
           <a:p>
             <a:fld id="{99C1CB3F-3D2B-408D-B6A9-0071AFF4D60E}" type="datetimeFigureOut">
               <a:rPr lang="en-US" smtClean="0"/>
-              <a:t>11/21/2020</a:t>
+              <a:t>11/24/20</a:t>
             </a:fld>
             <a:endParaRPr lang="en-US"/>
           </a:p>
@@ -3370,7 +3371,7 @@
           <a:p>
             <a:r>
               <a:rPr lang="en-US" dirty="0"/>
-              <a:t>Module: 02. Job Management</a:t>
+              <a:t>Module: 01. Home</a:t>
             </a:r>
           </a:p>
         </p:txBody>
@@ -3456,7 +3457,7 @@
           <a:lstStyle/>
           <a:p>
             <a:pPr algn="ctr"/>
-            <a:endParaRPr lang="en-US"/>
+            <a:endParaRPr lang="en-US" dirty="0"/>
           </a:p>
         </p:txBody>
       </p:sp>
@@ -3474,8 +3475,8 @@
         </p:nvSpPr>
         <p:spPr>
           <a:xfrm>
-            <a:off x="5043486" y="1607480"/>
-            <a:ext cx="2105025" cy="369332"/>
+            <a:off x="5043485" y="1502687"/>
+            <a:ext cx="2105025" cy="646331"/>
           </a:xfrm>
           <a:prstGeom prst="rect">
             <a:avLst/>
@@ -3491,7 +3492,7 @@
             <a:pPr algn="ctr"/>
             <a:r>
               <a:rPr lang="en-US" dirty="0"/>
-              <a:t>02.01 Search</a:t>
+              <a:t>01.01 User Portal (Sign Up)</a:t>
             </a:r>
           </a:p>
         </p:txBody>
@@ -3576,25 +3577,7 @@
             <a:pPr algn="ctr"/>
             <a:r>
               <a:rPr lang="en-US" dirty="0"/>
-              <a:t>02.02 </a:t>
-            </a:r>
-            <a:r>
-              <a:rPr lang="en-US" dirty="0">
-                <a:ea typeface="+mn-lt"/>
-                <a:cs typeface="+mn-lt"/>
-              </a:rPr>
-              <a:t>Search </a:t>
-            </a:r>
-            <a:r>
-              <a:rPr lang="en-US" dirty="0"/>
-              <a:t>Sort/</a:t>
-            </a:r>
-          </a:p>
-          <a:p>
-            <a:pPr algn="ctr"/>
-            <a:r>
-              <a:rPr lang="en-US" dirty="0"/>
-              <a:t>Filter </a:t>
+              <a:t>01.02 User Portal (Login)</a:t>
             </a:r>
           </a:p>
         </p:txBody>
@@ -3662,8 +3645,8 @@
         </p:nvSpPr>
         <p:spPr>
           <a:xfrm>
-            <a:off x="5043486" y="3232014"/>
-            <a:ext cx="2105025" cy="369332"/>
+            <a:off x="5051747" y="3150214"/>
+            <a:ext cx="2105025" cy="646331"/>
           </a:xfrm>
           <a:prstGeom prst="rect">
             <a:avLst/>
@@ -3679,7 +3662,7 @@
             <a:pPr algn="ctr"/>
             <a:r>
               <a:rPr lang="en-US" dirty="0"/>
-              <a:t>02.03 Search Results</a:t>
+              <a:t>01.03 Partner Portal (Sign Up)</a:t>
             </a:r>
           </a:p>
         </p:txBody>
@@ -3764,7 +3747,7 @@
             <a:pPr algn="ctr"/>
             <a:r>
               <a:rPr lang="en-US" dirty="0"/>
-              <a:t>02.04 Detailed Job View</a:t>
+              <a:t>01.04 Partner Portal (Login)</a:t>
             </a:r>
           </a:p>
         </p:txBody>
@@ -3832,13 +3815,15 @@
         </p:nvSpPr>
         <p:spPr>
           <a:xfrm>
-            <a:off x="5043486" y="4741179"/>
-            <a:ext cx="2105025" cy="646331"/>
+            <a:off x="5043485" y="4855441"/>
+            <a:ext cx="2105025" cy="369332"/>
           </a:xfrm>
           <a:prstGeom prst="rect">
             <a:avLst/>
           </a:prstGeom>
-          <a:noFill/>
+          <a:solidFill>
+            <a:srgbClr val="FFFF00"/>
+          </a:solidFill>
         </p:spPr>
         <p:txBody>
           <a:bodyPr wrap="square" rtlCol="0">
@@ -3849,92 +3834,7 @@
             <a:pPr algn="ctr"/>
             <a:r>
               <a:rPr lang="en-US" dirty="0"/>
-              <a:t>02.05 Save Favorite Job</a:t>
-            </a:r>
-          </a:p>
-        </p:txBody>
-      </p:sp>
-      <p:sp>
-        <p:nvSpPr>
-          <p:cNvPr id="23" name="Oval 22">
-            <a:extLst>
-              <a:ext uri="{FF2B5EF4-FFF2-40B4-BE49-F238E27FC236}">
-                <a16:creationId xmlns:a16="http://schemas.microsoft.com/office/drawing/2014/main" id="{6655F562-8773-4736-9009-DB23E967DB57}"/>
-              </a:ext>
-            </a:extLst>
-          </p:cNvPr>
-          <p:cNvSpPr/>
-          <p:nvPr/>
-        </p:nvSpPr>
-        <p:spPr>
-          <a:xfrm>
-            <a:off x="4659085" y="5461878"/>
-            <a:ext cx="2873829" cy="790575"/>
-          </a:xfrm>
-          <a:prstGeom prst="ellipse">
-            <a:avLst/>
-          </a:prstGeom>
-          <a:solidFill>
-            <a:srgbClr val="FFFF00"/>
-          </a:solidFill>
-        </p:spPr>
-        <p:style>
-          <a:lnRef idx="2">
-            <a:schemeClr val="accent1">
-              <a:shade val="50000"/>
-            </a:schemeClr>
-          </a:lnRef>
-          <a:fillRef idx="1">
-            <a:schemeClr val="accent1"/>
-          </a:fillRef>
-          <a:effectRef idx="0">
-            <a:schemeClr val="accent1"/>
-          </a:effectRef>
-          <a:fontRef idx="minor">
-            <a:schemeClr val="lt1"/>
-          </a:fontRef>
-        </p:style>
-        <p:txBody>
-          <a:bodyPr rtlCol="0" anchor="ctr"/>
-          <a:lstStyle/>
-          <a:p>
-            <a:pPr algn="ctr"/>
-            <a:endParaRPr lang="en-US"/>
-          </a:p>
-        </p:txBody>
-      </p:sp>
-      <p:sp>
-        <p:nvSpPr>
-          <p:cNvPr id="25" name="TextBox 24">
-            <a:extLst>
-              <a:ext uri="{FF2B5EF4-FFF2-40B4-BE49-F238E27FC236}">
-                <a16:creationId xmlns:a16="http://schemas.microsoft.com/office/drawing/2014/main" id="{8E673E86-7C7A-49D2-8796-32C1F43D17CD}"/>
-              </a:ext>
-            </a:extLst>
-          </p:cNvPr>
-          <p:cNvSpPr txBox="1"/>
-          <p:nvPr/>
-        </p:nvSpPr>
-        <p:spPr>
-          <a:xfrm>
-            <a:off x="5043486" y="5672499"/>
-            <a:ext cx="2105025" cy="369332"/>
-          </a:xfrm>
-          <a:prstGeom prst="rect">
-            <a:avLst/>
-          </a:prstGeom>
-          <a:noFill/>
-        </p:spPr>
-        <p:txBody>
-          <a:bodyPr wrap="square" lIns="91440" tIns="45720" rIns="91440" bIns="45720" rtlCol="0" anchor="t">
-            <a:spAutoFit/>
-          </a:bodyPr>
-          <a:lstStyle/>
-          <a:p>
-            <a:pPr algn="ctr"/>
-            <a:r>
-              <a:rPr lang="en-US" dirty="0"/>
-              <a:t>02.06 Apply</a:t>
+              <a:t>01.05 Search Bar</a:t>
             </a:r>
           </a:p>
         </p:txBody>
@@ -4058,7 +3958,7 @@
         <p:spPr>
           <a:xfrm>
             <a:off x="1196857" y="4141014"/>
-            <a:ext cx="1301714" cy="1200329"/>
+            <a:ext cx="1301714" cy="646331"/>
           </a:xfrm>
           <a:prstGeom prst="rect">
             <a:avLst/>
@@ -4074,7 +3974,7 @@
             <a:pPr algn="ctr"/>
             <a:r>
               <a:rPr lang="en-US" dirty="0"/>
-              <a:t>Help Desk and Operations Manager</a:t>
+              <a:t>Human Resources</a:t>
             </a:r>
           </a:p>
         </p:txBody>
@@ -4097,47 +3997,6 @@
           <a:xfrm flipH="1" flipV="1">
             <a:off x="7742760" y="1967835"/>
             <a:ext cx="2658541" cy="1212096"/>
-          </a:xfrm>
-          <a:prstGeom prst="straightConnector1">
-            <a:avLst/>
-          </a:prstGeom>
-          <a:ln>
-            <a:tailEnd type="triangle"/>
-          </a:ln>
-        </p:spPr>
-        <p:style>
-          <a:lnRef idx="1">
-            <a:schemeClr val="accent1"/>
-          </a:lnRef>
-          <a:fillRef idx="0">
-            <a:schemeClr val="accent1"/>
-          </a:fillRef>
-          <a:effectRef idx="0">
-            <a:schemeClr val="accent1"/>
-          </a:effectRef>
-          <a:fontRef idx="minor">
-            <a:schemeClr val="tx1"/>
-          </a:fontRef>
-        </p:style>
-      </p:cxnSp>
-      <p:cxnSp>
-        <p:nvCxnSpPr>
-          <p:cNvPr id="42" name="Straight Arrow Connector 41">
-            <a:extLst>
-              <a:ext uri="{FF2B5EF4-FFF2-40B4-BE49-F238E27FC236}">
-                <a16:creationId xmlns:a16="http://schemas.microsoft.com/office/drawing/2014/main" id="{53CE369C-B41B-40B0-A7A1-C547F5A7B399}"/>
-              </a:ext>
-            </a:extLst>
-          </p:cNvPr>
-          <p:cNvCxnSpPr>
-            <a:cxnSpLocks/>
-          </p:cNvCxnSpPr>
-          <p:nvPr/>
-        </p:nvCxnSpPr>
-        <p:spPr>
-          <a:xfrm flipH="1" flipV="1">
-            <a:off x="7667625" y="3375030"/>
-            <a:ext cx="2721531" cy="73038"/>
           </a:xfrm>
           <a:prstGeom prst="straightConnector1">
             <a:avLst/>
@@ -4204,10 +4063,10 @@
       </p:cxnSp>
       <p:cxnSp>
         <p:nvCxnSpPr>
-          <p:cNvPr id="50" name="Straight Arrow Connector 49">
-            <a:extLst>
-              <a:ext uri="{FF2B5EF4-FFF2-40B4-BE49-F238E27FC236}">
-                <a16:creationId xmlns:a16="http://schemas.microsoft.com/office/drawing/2014/main" id="{B052AE3A-DF0C-4ED6-A703-B13E35089963}"/>
+          <p:cNvPr id="55" name="Straight Arrow Connector 54">
+            <a:extLst>
+              <a:ext uri="{FF2B5EF4-FFF2-40B4-BE49-F238E27FC236}">
+                <a16:creationId xmlns:a16="http://schemas.microsoft.com/office/drawing/2014/main" id="{1CA5A168-1D7D-464D-97B5-F99219278FDE}"/>
               </a:ext>
             </a:extLst>
           </p:cNvPr>
@@ -4218,168 +4077,8 @@
         </p:nvCxnSpPr>
         <p:spPr>
           <a:xfrm flipH="1">
-            <a:off x="7683476" y="3596212"/>
-            <a:ext cx="2715207" cy="474399"/>
-          </a:xfrm>
-          <a:prstGeom prst="straightConnector1">
-            <a:avLst/>
-          </a:prstGeom>
-          <a:ln>
-            <a:tailEnd type="triangle"/>
-          </a:ln>
-        </p:spPr>
-        <p:style>
-          <a:lnRef idx="1">
-            <a:schemeClr val="accent1"/>
-          </a:lnRef>
-          <a:fillRef idx="0">
-            <a:schemeClr val="accent1"/>
-          </a:fillRef>
-          <a:effectRef idx="0">
-            <a:schemeClr val="accent1"/>
-          </a:effectRef>
-          <a:fontRef idx="minor">
-            <a:schemeClr val="tx1"/>
-          </a:fontRef>
-        </p:style>
-      </p:cxnSp>
-      <p:cxnSp>
-        <p:nvCxnSpPr>
-          <p:cNvPr id="55" name="Straight Arrow Connector 54">
-            <a:extLst>
-              <a:ext uri="{FF2B5EF4-FFF2-40B4-BE49-F238E27FC236}">
-                <a16:creationId xmlns:a16="http://schemas.microsoft.com/office/drawing/2014/main" id="{1CA5A168-1D7D-464D-97B5-F99219278FDE}"/>
-              </a:ext>
-            </a:extLst>
-          </p:cNvPr>
-          <p:cNvCxnSpPr>
-            <a:cxnSpLocks/>
-          </p:cNvCxnSpPr>
-          <p:nvPr/>
-        </p:nvCxnSpPr>
-        <p:spPr>
-          <a:xfrm flipH="1">
             <a:off x="7683476" y="3747609"/>
             <a:ext cx="2688268" cy="1072041"/>
-          </a:xfrm>
-          <a:prstGeom prst="straightConnector1">
-            <a:avLst/>
-          </a:prstGeom>
-          <a:ln>
-            <a:tailEnd type="triangle"/>
-          </a:ln>
-        </p:spPr>
-        <p:style>
-          <a:lnRef idx="1">
-            <a:schemeClr val="accent1"/>
-          </a:lnRef>
-          <a:fillRef idx="0">
-            <a:schemeClr val="accent1"/>
-          </a:fillRef>
-          <a:effectRef idx="0">
-            <a:schemeClr val="accent1"/>
-          </a:effectRef>
-          <a:fontRef idx="minor">
-            <a:schemeClr val="tx1"/>
-          </a:fontRef>
-        </p:style>
-      </p:cxnSp>
-      <p:cxnSp>
-        <p:nvCxnSpPr>
-          <p:cNvPr id="63" name="Straight Arrow Connector 62">
-            <a:extLst>
-              <a:ext uri="{FF2B5EF4-FFF2-40B4-BE49-F238E27FC236}">
-                <a16:creationId xmlns:a16="http://schemas.microsoft.com/office/drawing/2014/main" id="{73869D26-E8BC-449C-8D26-6B11CBE91597}"/>
-              </a:ext>
-            </a:extLst>
-          </p:cNvPr>
-          <p:cNvCxnSpPr>
-            <a:cxnSpLocks/>
-          </p:cNvCxnSpPr>
-          <p:nvPr/>
-        </p:nvCxnSpPr>
-        <p:spPr>
-          <a:xfrm flipH="1">
-            <a:off x="7653053" y="3896046"/>
-            <a:ext cx="2736103" cy="1866579"/>
-          </a:xfrm>
-          <a:prstGeom prst="straightConnector1">
-            <a:avLst/>
-          </a:prstGeom>
-          <a:ln>
-            <a:tailEnd type="triangle"/>
-          </a:ln>
-        </p:spPr>
-        <p:style>
-          <a:lnRef idx="1">
-            <a:schemeClr val="accent1"/>
-          </a:lnRef>
-          <a:fillRef idx="0">
-            <a:schemeClr val="accent1"/>
-          </a:fillRef>
-          <a:effectRef idx="0">
-            <a:schemeClr val="accent1"/>
-          </a:effectRef>
-          <a:fontRef idx="minor">
-            <a:schemeClr val="tx1"/>
-          </a:fontRef>
-        </p:style>
-      </p:cxnSp>
-      <p:cxnSp>
-        <p:nvCxnSpPr>
-          <p:cNvPr id="87" name="Straight Arrow Connector 86">
-            <a:extLst>
-              <a:ext uri="{FF2B5EF4-FFF2-40B4-BE49-F238E27FC236}">
-                <a16:creationId xmlns:a16="http://schemas.microsoft.com/office/drawing/2014/main" id="{1069164D-B4C8-4D27-B119-BB21CFB8398B}"/>
-              </a:ext>
-            </a:extLst>
-          </p:cNvPr>
-          <p:cNvCxnSpPr/>
-          <p:nvPr/>
-        </p:nvCxnSpPr>
-        <p:spPr>
-          <a:xfrm flipV="1">
-            <a:off x="2286000" y="1857375"/>
-            <a:ext cx="2266950" cy="1322556"/>
-          </a:xfrm>
-          <a:prstGeom prst="straightConnector1">
-            <a:avLst/>
-          </a:prstGeom>
-          <a:ln>
-            <a:tailEnd type="triangle"/>
-          </a:ln>
-        </p:spPr>
-        <p:style>
-          <a:lnRef idx="1">
-            <a:schemeClr val="accent1"/>
-          </a:lnRef>
-          <a:fillRef idx="0">
-            <a:schemeClr val="accent1"/>
-          </a:fillRef>
-          <a:effectRef idx="0">
-            <a:schemeClr val="accent1"/>
-          </a:effectRef>
-          <a:fontRef idx="minor">
-            <a:schemeClr val="tx1"/>
-          </a:fontRef>
-        </p:style>
-      </p:cxnSp>
-      <p:cxnSp>
-        <p:nvCxnSpPr>
-          <p:cNvPr id="89" name="Straight Arrow Connector 88">
-            <a:extLst>
-              <a:ext uri="{FF2B5EF4-FFF2-40B4-BE49-F238E27FC236}">
-                <a16:creationId xmlns:a16="http://schemas.microsoft.com/office/drawing/2014/main" id="{2A68D490-D11C-474B-B3D8-116F327D4FF0}"/>
-              </a:ext>
-            </a:extLst>
-          </p:cNvPr>
-          <p:cNvCxnSpPr/>
-          <p:nvPr/>
-        </p:nvCxnSpPr>
-        <p:spPr>
-          <a:xfrm flipV="1">
-            <a:off x="2286000" y="2683950"/>
-            <a:ext cx="2266950" cy="691080"/>
           </a:xfrm>
           <a:prstGeom prst="straightConnector1">
             <a:avLst/>
@@ -4481,22 +4180,425 @@
           </a:fontRef>
         </p:style>
       </p:cxnSp>
+      <p:sp>
+        <p:nvSpPr>
+          <p:cNvPr id="98" name="Rectangle 97">
+            <a:extLst>
+              <a:ext uri="{FF2B5EF4-FFF2-40B4-BE49-F238E27FC236}">
+                <a16:creationId xmlns:a16="http://schemas.microsoft.com/office/drawing/2014/main" id="{672F4997-7C57-43C3-A21B-8CD76AD831E7}"/>
+              </a:ext>
+            </a:extLst>
+          </p:cNvPr>
+          <p:cNvSpPr/>
+          <p:nvPr/>
+        </p:nvSpPr>
+        <p:spPr>
+          <a:xfrm>
+            <a:off x="3533775" y="1053959"/>
+            <a:ext cx="5153025" cy="5613541"/>
+          </a:xfrm>
+          <a:prstGeom prst="rect">
+            <a:avLst/>
+          </a:prstGeom>
+          <a:noFill/>
+        </p:spPr>
+        <p:style>
+          <a:lnRef idx="2">
+            <a:schemeClr val="accent1">
+              <a:shade val="50000"/>
+            </a:schemeClr>
+          </a:lnRef>
+          <a:fillRef idx="1">
+            <a:schemeClr val="accent1"/>
+          </a:fillRef>
+          <a:effectRef idx="0">
+            <a:schemeClr val="accent1"/>
+          </a:effectRef>
+          <a:fontRef idx="minor">
+            <a:schemeClr val="lt1"/>
+          </a:fontRef>
+        </p:style>
+        <p:txBody>
+          <a:bodyPr rtlCol="0" anchor="ctr"/>
+          <a:lstStyle/>
+          <a:p>
+            <a:pPr algn="ctr"/>
+            <a:endParaRPr lang="en-US"/>
+          </a:p>
+        </p:txBody>
+      </p:sp>
+    </p:spTree>
+    <p:extLst>
+      <p:ext uri="{BB962C8B-B14F-4D97-AF65-F5344CB8AC3E}">
+        <p14:creationId xmlns:p14="http://schemas.microsoft.com/office/powerpoint/2010/main" val="1218932464"/>
+      </p:ext>
+    </p:extLst>
+  </p:cSld>
+  <p:clrMapOvr>
+    <a:masterClrMapping/>
+  </p:clrMapOvr>
+</p:sld>
+</file>
+
+<file path=ppt/slides/slide2.xml><?xml version="1.0" encoding="utf-8"?>
+<p:sld xmlns:a="http://schemas.openxmlformats.org/drawingml/2006/main" xmlns:r="http://schemas.openxmlformats.org/officeDocument/2006/relationships" xmlns:p="http://schemas.openxmlformats.org/presentationml/2006/main">
+  <p:cSld>
+    <p:spTree>
+      <p:nvGrpSpPr>
+        <p:cNvPr id="1" name=""/>
+        <p:cNvGrpSpPr/>
+        <p:nvPr/>
+      </p:nvGrpSpPr>
+      <p:grpSpPr>
+        <a:xfrm>
+          <a:off x="0" y="0"/>
+          <a:ext cx="0" cy="0"/>
+          <a:chOff x="0" y="0"/>
+          <a:chExt cx="0" cy="0"/>
+        </a:xfrm>
+      </p:grpSpPr>
+      <p:sp>
+        <p:nvSpPr>
+          <p:cNvPr id="4" name="TextBox 3">
+            <a:extLst>
+              <a:ext uri="{FF2B5EF4-FFF2-40B4-BE49-F238E27FC236}">
+                <a16:creationId xmlns:a16="http://schemas.microsoft.com/office/drawing/2014/main" id="{B59F35D6-AA8C-4A55-A8BD-D1D0D44C78BF}"/>
+              </a:ext>
+            </a:extLst>
+          </p:cNvPr>
+          <p:cNvSpPr txBox="1"/>
+          <p:nvPr/>
+        </p:nvSpPr>
+        <p:spPr>
+          <a:xfrm>
+            <a:off x="255426" y="130629"/>
+            <a:ext cx="3049749" cy="923330"/>
+          </a:xfrm>
+          <a:prstGeom prst="rect">
+            <a:avLst/>
+          </a:prstGeom>
+          <a:noFill/>
+        </p:spPr>
+        <p:txBody>
+          <a:bodyPr wrap="square" rtlCol="0">
+            <a:spAutoFit/>
+          </a:bodyPr>
+          <a:lstStyle/>
+          <a:p>
+            <a:r>
+              <a:rPr lang="en-US" dirty="0" err="1"/>
+              <a:t>Jobster</a:t>
+            </a:r>
+            <a:endParaRPr lang="en-US" dirty="0"/>
+          </a:p>
+          <a:p>
+            <a:r>
+              <a:rPr lang="en-US" dirty="0"/>
+              <a:t>Use Case Diagram</a:t>
+            </a:r>
+          </a:p>
+          <a:p>
+            <a:r>
+              <a:rPr lang="en-US" dirty="0"/>
+              <a:t>Module: 06. Help Desk</a:t>
+            </a:r>
+          </a:p>
+        </p:txBody>
+      </p:sp>
+      <p:sp>
+        <p:nvSpPr>
+          <p:cNvPr id="5" name="TextBox 4">
+            <a:extLst>
+              <a:ext uri="{FF2B5EF4-FFF2-40B4-BE49-F238E27FC236}">
+                <a16:creationId xmlns:a16="http://schemas.microsoft.com/office/drawing/2014/main" id="{5FB596DD-DA8B-43FB-A983-8B043086D0BE}"/>
+              </a:ext>
+            </a:extLst>
+          </p:cNvPr>
+          <p:cNvSpPr txBox="1"/>
+          <p:nvPr/>
+        </p:nvSpPr>
+        <p:spPr>
+          <a:xfrm>
+            <a:off x="4659085" y="407628"/>
+            <a:ext cx="2873829" cy="369332"/>
+          </a:xfrm>
+          <a:prstGeom prst="rect">
+            <a:avLst/>
+          </a:prstGeom>
+          <a:noFill/>
+        </p:spPr>
+        <p:txBody>
+          <a:bodyPr wrap="square" rtlCol="0">
+            <a:spAutoFit/>
+          </a:bodyPr>
+          <a:lstStyle/>
+          <a:p>
+            <a:pPr algn="ctr"/>
+            <a:r>
+              <a:rPr lang="en-US" b="1" u="sng" dirty="0"/>
+              <a:t>Use Case Diagram</a:t>
+            </a:r>
+          </a:p>
+        </p:txBody>
+      </p:sp>
+      <p:sp>
+        <p:nvSpPr>
+          <p:cNvPr id="6" name="Oval 5">
+            <a:extLst>
+              <a:ext uri="{FF2B5EF4-FFF2-40B4-BE49-F238E27FC236}">
+                <a16:creationId xmlns:a16="http://schemas.microsoft.com/office/drawing/2014/main" id="{C1071BBA-A279-4D6E-9FF0-3495B31ED2E5}"/>
+              </a:ext>
+            </a:extLst>
+          </p:cNvPr>
+          <p:cNvSpPr/>
+          <p:nvPr/>
+        </p:nvSpPr>
+        <p:spPr>
+          <a:xfrm>
+            <a:off x="4783841" y="2329232"/>
+            <a:ext cx="2873829" cy="790575"/>
+          </a:xfrm>
+          <a:prstGeom prst="ellipse">
+            <a:avLst/>
+          </a:prstGeom>
+          <a:solidFill>
+            <a:srgbClr val="FFFF00"/>
+          </a:solidFill>
+        </p:spPr>
+        <p:style>
+          <a:lnRef idx="2">
+            <a:schemeClr val="accent1">
+              <a:shade val="50000"/>
+            </a:schemeClr>
+          </a:lnRef>
+          <a:fillRef idx="1">
+            <a:schemeClr val="accent1"/>
+          </a:fillRef>
+          <a:effectRef idx="0">
+            <a:schemeClr val="accent1"/>
+          </a:effectRef>
+          <a:fontRef idx="minor">
+            <a:schemeClr val="lt1"/>
+          </a:fontRef>
+        </p:style>
+        <p:txBody>
+          <a:bodyPr rtlCol="0" anchor="ctr"/>
+          <a:lstStyle/>
+          <a:p>
+            <a:pPr algn="ctr"/>
+            <a:endParaRPr lang="en-US" dirty="0"/>
+          </a:p>
+        </p:txBody>
+      </p:sp>
+      <p:sp>
+        <p:nvSpPr>
+          <p:cNvPr id="7" name="TextBox 6">
+            <a:extLst>
+              <a:ext uri="{FF2B5EF4-FFF2-40B4-BE49-F238E27FC236}">
+                <a16:creationId xmlns:a16="http://schemas.microsoft.com/office/drawing/2014/main" id="{FED3FB47-642E-40B4-AE0C-EAFC2147FDA0}"/>
+              </a:ext>
+            </a:extLst>
+          </p:cNvPr>
+          <p:cNvSpPr txBox="1"/>
+          <p:nvPr/>
+        </p:nvSpPr>
+        <p:spPr>
+          <a:xfrm>
+            <a:off x="5183030" y="2528943"/>
+            <a:ext cx="2105025" cy="369332"/>
+          </a:xfrm>
+          <a:prstGeom prst="rect">
+            <a:avLst/>
+          </a:prstGeom>
+          <a:noFill/>
+        </p:spPr>
+        <p:txBody>
+          <a:bodyPr wrap="square" lIns="91440" tIns="45720" rIns="91440" bIns="45720" rtlCol="0" anchor="t">
+            <a:spAutoFit/>
+          </a:bodyPr>
+          <a:lstStyle/>
+          <a:p>
+            <a:pPr algn="ctr"/>
+            <a:r>
+              <a:rPr lang="en-US" dirty="0"/>
+              <a:t>06.01 Contact Form</a:t>
+            </a:r>
+          </a:p>
+        </p:txBody>
+      </p:sp>
+      <p:sp>
+        <p:nvSpPr>
+          <p:cNvPr id="8" name="Oval 7">
+            <a:extLst>
+              <a:ext uri="{FF2B5EF4-FFF2-40B4-BE49-F238E27FC236}">
+                <a16:creationId xmlns:a16="http://schemas.microsoft.com/office/drawing/2014/main" id="{9F63813D-5DBA-4068-9205-D232CC481D53}"/>
+              </a:ext>
+            </a:extLst>
+          </p:cNvPr>
+          <p:cNvSpPr/>
+          <p:nvPr/>
+        </p:nvSpPr>
+        <p:spPr>
+          <a:xfrm>
+            <a:off x="4813415" y="3163412"/>
+            <a:ext cx="2873829" cy="790575"/>
+          </a:xfrm>
+          <a:prstGeom prst="ellipse">
+            <a:avLst/>
+          </a:prstGeom>
+          <a:solidFill>
+            <a:srgbClr val="FFFF00"/>
+          </a:solidFill>
+        </p:spPr>
+        <p:style>
+          <a:lnRef idx="2">
+            <a:schemeClr val="accent1">
+              <a:shade val="50000"/>
+            </a:schemeClr>
+          </a:lnRef>
+          <a:fillRef idx="1">
+            <a:schemeClr val="accent1"/>
+          </a:fillRef>
+          <a:effectRef idx="0">
+            <a:schemeClr val="accent1"/>
+          </a:effectRef>
+          <a:fontRef idx="minor">
+            <a:schemeClr val="lt1"/>
+          </a:fontRef>
+        </p:style>
+        <p:txBody>
+          <a:bodyPr rtlCol="0" anchor="ctr"/>
+          <a:lstStyle/>
+          <a:p>
+            <a:pPr algn="ctr"/>
+            <a:endParaRPr lang="en-US"/>
+          </a:p>
+        </p:txBody>
+      </p:sp>
+      <p:sp>
+        <p:nvSpPr>
+          <p:cNvPr id="9" name="TextBox 8">
+            <a:extLst>
+              <a:ext uri="{FF2B5EF4-FFF2-40B4-BE49-F238E27FC236}">
+                <a16:creationId xmlns:a16="http://schemas.microsoft.com/office/drawing/2014/main" id="{2D01A027-BA96-46D6-B6B4-013A2897787B}"/>
+              </a:ext>
+            </a:extLst>
+          </p:cNvPr>
+          <p:cNvSpPr txBox="1"/>
+          <p:nvPr/>
+        </p:nvSpPr>
+        <p:spPr>
+          <a:xfrm>
+            <a:off x="5043486" y="3374033"/>
+            <a:ext cx="2105025" cy="369332"/>
+          </a:xfrm>
+          <a:prstGeom prst="rect">
+            <a:avLst/>
+          </a:prstGeom>
+          <a:noFill/>
+        </p:spPr>
+        <p:txBody>
+          <a:bodyPr wrap="square" lIns="91440" tIns="45720" rIns="91440" bIns="45720" rtlCol="0" anchor="t">
+            <a:spAutoFit/>
+          </a:bodyPr>
+          <a:lstStyle/>
+          <a:p>
+            <a:pPr algn="ctr"/>
+            <a:r>
+              <a:rPr lang="en-US" dirty="0"/>
+              <a:t>06.02 FAQ Page</a:t>
+            </a:r>
+          </a:p>
+        </p:txBody>
+      </p:sp>
+      <p:pic>
+        <p:nvPicPr>
+          <p:cNvPr id="17" name="Google Shape;121;p14">
+            <a:extLst>
+              <a:ext uri="{FF2B5EF4-FFF2-40B4-BE49-F238E27FC236}">
+                <a16:creationId xmlns:a16="http://schemas.microsoft.com/office/drawing/2014/main" id="{F966ECCA-2DA3-47B7-B32D-76C952A31AE2}"/>
+              </a:ext>
+            </a:extLst>
+          </p:cNvPr>
+          <p:cNvPicPr preferRelativeResize="0"/>
+          <p:nvPr/>
+        </p:nvPicPr>
+        <p:blipFill>
+          <a:blip r:embed="rId2">
+            <a:alphaModFix/>
+          </a:blip>
+          <a:stretch>
+            <a:fillRect/>
+          </a:stretch>
+        </p:blipFill>
+        <p:spPr>
+          <a:xfrm>
+            <a:off x="1583202" y="2898275"/>
+            <a:ext cx="394196" cy="906300"/>
+          </a:xfrm>
+          <a:prstGeom prst="rect">
+            <a:avLst/>
+          </a:prstGeom>
+          <a:noFill/>
+          <a:ln>
+            <a:noFill/>
+          </a:ln>
+        </p:spPr>
+      </p:pic>
+      <p:sp>
+        <p:nvSpPr>
+          <p:cNvPr id="18" name="TextBox 17">
+            <a:extLst>
+              <a:ext uri="{FF2B5EF4-FFF2-40B4-BE49-F238E27FC236}">
+                <a16:creationId xmlns:a16="http://schemas.microsoft.com/office/drawing/2014/main" id="{C0D8B6BB-2C96-4AB6-B44A-20D34B6B6679}"/>
+              </a:ext>
+            </a:extLst>
+          </p:cNvPr>
+          <p:cNvSpPr txBox="1"/>
+          <p:nvPr/>
+        </p:nvSpPr>
+        <p:spPr>
+          <a:xfrm>
+            <a:off x="1054244" y="3804575"/>
+            <a:ext cx="1301714" cy="369332"/>
+          </a:xfrm>
+          <a:prstGeom prst="rect">
+            <a:avLst/>
+          </a:prstGeom>
+          <a:noFill/>
+        </p:spPr>
+        <p:txBody>
+          <a:bodyPr wrap="square" rtlCol="0">
+            <a:spAutoFit/>
+          </a:bodyPr>
+          <a:lstStyle/>
+          <a:p>
+            <a:pPr algn="ctr"/>
+            <a:r>
+              <a:rPr lang="en-US" dirty="0"/>
+              <a:t>Customer</a:t>
+            </a:r>
+          </a:p>
+        </p:txBody>
+      </p:sp>
       <p:cxnSp>
         <p:nvCxnSpPr>
-          <p:cNvPr id="95" name="Straight Arrow Connector 94">
-            <a:extLst>
-              <a:ext uri="{FF2B5EF4-FFF2-40B4-BE49-F238E27FC236}">
-                <a16:creationId xmlns:a16="http://schemas.microsoft.com/office/drawing/2014/main" id="{ADDE6136-8A6D-4F94-8004-04D795930E62}"/>
-              </a:ext>
-            </a:extLst>
-          </p:cNvPr>
-          <p:cNvCxnSpPr/>
+          <p:cNvPr id="24" name="Straight Arrow Connector 23">
+            <a:extLst>
+              <a:ext uri="{FF2B5EF4-FFF2-40B4-BE49-F238E27FC236}">
+                <a16:creationId xmlns:a16="http://schemas.microsoft.com/office/drawing/2014/main" id="{6C96CC13-9B6B-4EEA-8557-33210DC8EEEC}"/>
+              </a:ext>
+            </a:extLst>
+          </p:cNvPr>
+          <p:cNvCxnSpPr>
+            <a:cxnSpLocks/>
+          </p:cNvCxnSpPr>
           <p:nvPr/>
         </p:nvCxnSpPr>
         <p:spPr>
-          <a:xfrm>
-            <a:off x="2374918" y="3983347"/>
-            <a:ext cx="2149456" cy="960128"/>
+          <a:xfrm flipV="1">
+            <a:off x="2243968" y="2889760"/>
+            <a:ext cx="2539873" cy="539240"/>
           </a:xfrm>
           <a:prstGeom prst="straightConnector1">
             <a:avLst/>
@@ -4522,20 +4624,22 @@
       </p:cxnSp>
       <p:cxnSp>
         <p:nvCxnSpPr>
-          <p:cNvPr id="97" name="Straight Arrow Connector 96">
-            <a:extLst>
-              <a:ext uri="{FF2B5EF4-FFF2-40B4-BE49-F238E27FC236}">
-                <a16:creationId xmlns:a16="http://schemas.microsoft.com/office/drawing/2014/main" id="{9CC5DF2B-19A1-4758-9801-55EC1B3A1263}"/>
-              </a:ext>
-            </a:extLst>
-          </p:cNvPr>
-          <p:cNvCxnSpPr/>
+          <p:cNvPr id="25" name="Straight Arrow Connector 24">
+            <a:extLst>
+              <a:ext uri="{FF2B5EF4-FFF2-40B4-BE49-F238E27FC236}">
+                <a16:creationId xmlns:a16="http://schemas.microsoft.com/office/drawing/2014/main" id="{68BD0D24-71FD-415C-A277-A055DB6D5030}"/>
+              </a:ext>
+            </a:extLst>
+          </p:cNvPr>
+          <p:cNvCxnSpPr>
+            <a:cxnSpLocks/>
+          </p:cNvCxnSpPr>
           <p:nvPr/>
         </p:nvCxnSpPr>
         <p:spPr>
           <a:xfrm>
-            <a:off x="2361799" y="4105687"/>
-            <a:ext cx="2191151" cy="1683721"/>
+            <a:off x="2214394" y="3467787"/>
+            <a:ext cx="2569447" cy="144093"/>
           </a:xfrm>
           <a:prstGeom prst="straightConnector1">
             <a:avLst/>
@@ -4561,10 +4665,10 @@
       </p:cxnSp>
       <p:sp>
         <p:nvSpPr>
-          <p:cNvPr id="98" name="Rectangle 97">
-            <a:extLst>
-              <a:ext uri="{FF2B5EF4-FFF2-40B4-BE49-F238E27FC236}">
-                <a16:creationId xmlns:a16="http://schemas.microsoft.com/office/drawing/2014/main" id="{672F4997-7C57-43C3-A21B-8CD76AD831E7}"/>
+          <p:cNvPr id="13" name="Rectangle 12">
+            <a:extLst>
+              <a:ext uri="{FF2B5EF4-FFF2-40B4-BE49-F238E27FC236}">
+                <a16:creationId xmlns:a16="http://schemas.microsoft.com/office/drawing/2014/main" id="{F0B272CC-4F7A-ED4C-A0C2-1BA12326C148}"/>
               </a:ext>
             </a:extLst>
           </p:cNvPr>
@@ -4573,8 +4677,8 @@
         </p:nvSpPr>
         <p:spPr>
           <a:xfrm>
-            <a:off x="3533775" y="1053959"/>
-            <a:ext cx="5153025" cy="5613541"/>
+            <a:off x="4481343" y="1954530"/>
+            <a:ext cx="3451077" cy="2480310"/>
           </a:xfrm>
           <a:prstGeom prst="rect">
             <a:avLst/>
@@ -4609,7 +4713,7 @@
     </p:spTree>
     <p:extLst>
       <p:ext uri="{BB962C8B-B14F-4D97-AF65-F5344CB8AC3E}">
-        <p14:creationId xmlns:p14="http://schemas.microsoft.com/office/powerpoint/2010/main" val="1218932464"/>
+        <p14:creationId xmlns:p14="http://schemas.microsoft.com/office/powerpoint/2010/main" val="1959855480"/>
       </p:ext>
     </p:extLst>
   </p:cSld>
@@ -4619,7 +4723,7 @@
 </p:sld>
 </file>
 
-<file path=ppt/slides/slide2.xml><?xml version="1.0" encoding="utf-8"?>
+<file path=ppt/slides/slide3.xml><?xml version="1.0" encoding="utf-8"?>
 <p:sld xmlns:a="http://schemas.openxmlformats.org/drawingml/2006/main" xmlns:r="http://schemas.openxmlformats.org/officeDocument/2006/relationships" xmlns:p="http://schemas.openxmlformats.org/presentationml/2006/main">
   <p:cSld>
     <p:spTree>
